--- a/assets/slides/14-Markov-Models.pptx
+++ b/assets/slides/14-Markov-Models.pptx
@@ -6927,7 +6927,7 @@
           <a:graphicData uri="http://schemas.openxmlformats.org/presentationml/2006/ole">
             <mc:AlternateContent xmlns:mc="http://schemas.openxmlformats.org/markup-compatibility/2006">
               <mc:Choice xmlns:v="urn:schemas-microsoft-com:vml" Requires="v">
-                <p:oleObj spid="_x0000_s9352" name="Equation" r:id="rId3" imgW="914400" imgH="431640" progId="Equation.DSMT4">
+                <p:oleObj spid="_x0000_s9355" name="Equation" r:id="rId3" imgW="914400" imgH="431640" progId="Equation.DSMT4">
                   <p:embed/>
                 </p:oleObj>
               </mc:Choice>
@@ -8079,7 +8079,7 @@
           <a:graphicData uri="http://schemas.openxmlformats.org/presentationml/2006/ole">
             <mc:AlternateContent xmlns:mc="http://schemas.openxmlformats.org/markup-compatibility/2006">
               <mc:Choice xmlns:v="urn:schemas-microsoft-com:vml" Requires="v">
-                <p:oleObj spid="_x0000_s12518" name="Equation" r:id="rId4" imgW="914400" imgH="198720" progId="Equation.DSMT4">
+                <p:oleObj spid="_x0000_s12524" name="Equation" r:id="rId4" imgW="914400" imgH="198720" progId="Equation.DSMT4">
                   <p:embed/>
                 </p:oleObj>
               </mc:Choice>
@@ -8136,7 +8136,7 @@
           <a:graphicData uri="http://schemas.openxmlformats.org/presentationml/2006/ole">
             <mc:AlternateContent xmlns:mc="http://schemas.openxmlformats.org/markup-compatibility/2006">
               <mc:Choice xmlns:v="urn:schemas-microsoft-com:vml" Requires="v">
-                <p:oleObj spid="_x0000_s12519" name="Equation" r:id="rId6" imgW="914400" imgH="198720" progId="Equation.DSMT4">
+                <p:oleObj spid="_x0000_s12525" name="Equation" r:id="rId6" imgW="914400" imgH="198720" progId="Equation.DSMT4">
                   <p:embed/>
                 </p:oleObj>
               </mc:Choice>
@@ -11418,7 +11418,7 @@
           <a:graphicData uri="http://schemas.openxmlformats.org/presentationml/2006/ole">
             <mc:AlternateContent xmlns:mc="http://schemas.openxmlformats.org/markup-compatibility/2006">
               <mc:Choice xmlns:v="urn:schemas-microsoft-com:vml" Requires="v">
-                <p:oleObj spid="_x0000_s3322" name="Equation" r:id="rId4" imgW="812520" imgH="431640" progId="Equation.DSMT4">
+                <p:oleObj spid="_x0000_s3325" name="Equation" r:id="rId4" imgW="812520" imgH="431640" progId="Equation.DSMT4">
                   <p:embed/>
                 </p:oleObj>
               </mc:Choice>
@@ -12142,7 +12142,7 @@
           <a:graphicData uri="http://schemas.openxmlformats.org/presentationml/2006/ole">
             <mc:AlternateContent xmlns:mc="http://schemas.openxmlformats.org/markup-compatibility/2006">
               <mc:Choice xmlns:v="urn:schemas-microsoft-com:vml" Requires="v">
-                <p:oleObj spid="_x0000_s4302" name="Equation" r:id="rId3" imgW="1117440" imgH="431640" progId="Equation.DSMT4">
+                <p:oleObj spid="_x0000_s4305" name="Equation" r:id="rId3" imgW="1117440" imgH="431640" progId="Equation.DSMT4">
                   <p:embed/>
                 </p:oleObj>
               </mc:Choice>
@@ -13687,7 +13687,7 @@
           <a:graphicData uri="http://schemas.openxmlformats.org/presentationml/2006/ole">
             <mc:AlternateContent xmlns:mc="http://schemas.openxmlformats.org/markup-compatibility/2006">
               <mc:Choice xmlns:v="urn:schemas-microsoft-com:vml" Requires="v">
-                <p:oleObj spid="_x0000_s13344" name="Equation" r:id="rId4" imgW="114120" imgH="177480" progId="Equation.DSMT4">
+                <p:oleObj spid="_x0000_s13347" name="Equation" r:id="rId4" imgW="114120" imgH="177480" progId="Equation.DSMT4">
                   <p:embed/>
                 </p:oleObj>
               </mc:Choice>
@@ -14964,7 +14964,7 @@
           <a:graphicData uri="http://schemas.openxmlformats.org/presentationml/2006/ole">
             <mc:AlternateContent xmlns:mc="http://schemas.openxmlformats.org/markup-compatibility/2006">
               <mc:Choice xmlns:v="urn:schemas-microsoft-com:vml" Requires="v">
-                <p:oleObj spid="_x0000_s1292" name="Equation" r:id="rId3" imgW="1587240" imgH="660240" progId="Equation.3">
+                <p:oleObj spid="_x0000_s1295" name="Equation" r:id="rId3" imgW="1587240" imgH="660240" progId="Equation.3">
                   <p:embed/>
                 </p:oleObj>
               </mc:Choice>
@@ -16642,7 +16642,10 @@
               <a:rPr lang="en-US" b="0" dirty="0" err="1" smtClean="0"/>
               <a:t>Superbowl</a:t>
             </a:r>
-            <a:endParaRPr lang="en-US" b="0" dirty="0" smtClean="0"/>
+            <a:r>
+              <a:rPr lang="en-US" b="0" dirty="0" smtClean="0"/>
+              <a:t>)</a:t>
+            </a:r>
           </a:p>
           <a:p>
             <a:endParaRPr lang="en-US" b="0" dirty="0"/>
@@ -17042,7 +17045,7 @@
           <a:graphicData uri="http://schemas.openxmlformats.org/presentationml/2006/ole">
             <mc:AlternateContent xmlns:mc="http://schemas.openxmlformats.org/markup-compatibility/2006">
               <mc:Choice xmlns:v="urn:schemas-microsoft-com:vml" Requires="v">
-                <p:oleObj spid="_x0000_s14367" name="Equation" r:id="rId4" imgW="114120" imgH="177480" progId="Equation.DSMT4">
+                <p:oleObj spid="_x0000_s14370" name="Equation" r:id="rId4" imgW="114120" imgH="177480" progId="Equation.DSMT4">
                   <p:embed/>
                 </p:oleObj>
               </mc:Choice>
@@ -17956,7 +17959,7 @@
           <a:graphicData uri="http://schemas.openxmlformats.org/presentationml/2006/ole">
             <mc:AlternateContent xmlns:mc="http://schemas.openxmlformats.org/markup-compatibility/2006">
               <mc:Choice xmlns:v="urn:schemas-microsoft-com:vml" Requires="v">
-                <p:oleObj spid="_x0000_s15389" name="Equation" r:id="rId5" imgW="114120" imgH="177480" progId="Equation.DSMT4">
+                <p:oleObj spid="_x0000_s15392" name="Equation" r:id="rId5" imgW="114120" imgH="177480" progId="Equation.DSMT4">
                   <p:embed/>
                 </p:oleObj>
               </mc:Choice>
@@ -18549,7 +18552,7 @@
           <a:graphicData uri="http://schemas.openxmlformats.org/presentationml/2006/ole">
             <mc:AlternateContent xmlns:mc="http://schemas.openxmlformats.org/markup-compatibility/2006">
               <mc:Choice xmlns:v="urn:schemas-microsoft-com:vml" Requires="v">
-                <p:oleObj spid="_x0000_s16408" name="Equation" r:id="rId4" imgW="114120" imgH="177480" progId="Equation.DSMT4">
+                <p:oleObj spid="_x0000_s16411" name="Equation" r:id="rId4" imgW="114120" imgH="177480" progId="Equation.DSMT4">
                   <p:embed/>
                 </p:oleObj>
               </mc:Choice>
@@ -19352,7 +19355,7 @@
           <a:graphicData uri="http://schemas.openxmlformats.org/presentationml/2006/ole">
             <mc:AlternateContent xmlns:mc="http://schemas.openxmlformats.org/markup-compatibility/2006">
               <mc:Choice xmlns:v="urn:schemas-microsoft-com:vml" Requires="v">
-                <p:oleObj spid="_x0000_s17429" name="Equation" r:id="rId4" imgW="114120" imgH="177480" progId="Equation.DSMT4">
+                <p:oleObj spid="_x0000_s17432" name="Equation" r:id="rId4" imgW="114120" imgH="177480" progId="Equation.DSMT4">
                   <p:embed/>
                 </p:oleObj>
               </mc:Choice>
